--- a/week02_ids/lab/overview.pptx
+++ b/week02_ids/lab/overview.pptx
@@ -104,11 +104,12 @@
       </a:defRPr>
     </a:lvl9pPr>
   </p:defaultTextStyle>
+  <p:extLst>
+    <p:ext uri="{EFAFB233-063F-42B5-8137-9DF3F51BA10A}">
+      <p15:sldGuideLst xmlns:p15="http://schemas.microsoft.com/office/powerpoint/2012/main"/>
+    </p:ext>
+  </p:extLst>
 </p:presentation>
-</file>
-
-<file path=ppt/revisionInfo.xml><?xml version="1.0" encoding="utf-8"?>
-<p1510:revInfo xmlns:a="http://schemas.openxmlformats.org/drawingml/2006/main" xmlns:r="http://schemas.openxmlformats.org/officeDocument/2006/relationships" xmlns:p1510="http://schemas.microsoft.com/office/powerpoint/2015/10/main"/>
 </file>
 
 <file path=ppt/slideLayouts/slideLayout1.xml><?xml version="1.0" encoding="utf-8"?>
@@ -258,7 +259,7 @@
           <a:p>
             <a:fld id="{0CFBD873-DBD0-4707-9DB4-789466B59EAA}" type="datetimeFigureOut">
               <a:rPr lang="en-US" smtClean="0"/>
-              <a:t>11-Sep-17</a:t>
+              <a:t>8/27/24</a:t>
             </a:fld>
             <a:endParaRPr lang="en-US"/>
           </a:p>
@@ -456,7 +457,7 @@
           <a:p>
             <a:fld id="{0CFBD873-DBD0-4707-9DB4-789466B59EAA}" type="datetimeFigureOut">
               <a:rPr lang="en-US" smtClean="0"/>
-              <a:t>11-Sep-17</a:t>
+              <a:t>8/27/24</a:t>
             </a:fld>
             <a:endParaRPr lang="en-US"/>
           </a:p>
@@ -664,7 +665,7 @@
           <a:p>
             <a:fld id="{0CFBD873-DBD0-4707-9DB4-789466B59EAA}" type="datetimeFigureOut">
               <a:rPr lang="en-US" smtClean="0"/>
-              <a:t>11-Sep-17</a:t>
+              <a:t>8/27/24</a:t>
             </a:fld>
             <a:endParaRPr lang="en-US"/>
           </a:p>
@@ -862,7 +863,7 @@
           <a:p>
             <a:fld id="{0CFBD873-DBD0-4707-9DB4-789466B59EAA}" type="datetimeFigureOut">
               <a:rPr lang="en-US" smtClean="0"/>
-              <a:t>11-Sep-17</a:t>
+              <a:t>8/27/24</a:t>
             </a:fld>
             <a:endParaRPr lang="en-US"/>
           </a:p>
@@ -1137,7 +1138,7 @@
           <a:p>
             <a:fld id="{0CFBD873-DBD0-4707-9DB4-789466B59EAA}" type="datetimeFigureOut">
               <a:rPr lang="en-US" smtClean="0"/>
-              <a:t>11-Sep-17</a:t>
+              <a:t>8/27/24</a:t>
             </a:fld>
             <a:endParaRPr lang="en-US"/>
           </a:p>
@@ -1402,7 +1403,7 @@
           <a:p>
             <a:fld id="{0CFBD873-DBD0-4707-9DB4-789466B59EAA}" type="datetimeFigureOut">
               <a:rPr lang="en-US" smtClean="0"/>
-              <a:t>11-Sep-17</a:t>
+              <a:t>8/27/24</a:t>
             </a:fld>
             <a:endParaRPr lang="en-US"/>
           </a:p>
@@ -1814,7 +1815,7 @@
           <a:p>
             <a:fld id="{0CFBD873-DBD0-4707-9DB4-789466B59EAA}" type="datetimeFigureOut">
               <a:rPr lang="en-US" smtClean="0"/>
-              <a:t>11-Sep-17</a:t>
+              <a:t>8/27/24</a:t>
             </a:fld>
             <a:endParaRPr lang="en-US"/>
           </a:p>
@@ -1955,7 +1956,7 @@
           <a:p>
             <a:fld id="{0CFBD873-DBD0-4707-9DB4-789466B59EAA}" type="datetimeFigureOut">
               <a:rPr lang="en-US" smtClean="0"/>
-              <a:t>11-Sep-17</a:t>
+              <a:t>8/27/24</a:t>
             </a:fld>
             <a:endParaRPr lang="en-US"/>
           </a:p>
@@ -2068,7 +2069,7 @@
           <a:p>
             <a:fld id="{0CFBD873-DBD0-4707-9DB4-789466B59EAA}" type="datetimeFigureOut">
               <a:rPr lang="en-US" smtClean="0"/>
-              <a:t>11-Sep-17</a:t>
+              <a:t>8/27/24</a:t>
             </a:fld>
             <a:endParaRPr lang="en-US"/>
           </a:p>
@@ -2379,7 +2380,7 @@
           <a:p>
             <a:fld id="{0CFBD873-DBD0-4707-9DB4-789466B59EAA}" type="datetimeFigureOut">
               <a:rPr lang="en-US" smtClean="0"/>
-              <a:t>11-Sep-17</a:t>
+              <a:t>8/27/24</a:t>
             </a:fld>
             <a:endParaRPr lang="en-US"/>
           </a:p>
@@ -2667,7 +2668,7 @@
           <a:p>
             <a:fld id="{0CFBD873-DBD0-4707-9DB4-789466B59EAA}" type="datetimeFigureOut">
               <a:rPr lang="en-US" smtClean="0"/>
-              <a:t>11-Sep-17</a:t>
+              <a:t>8/27/24</a:t>
             </a:fld>
             <a:endParaRPr lang="en-US"/>
           </a:p>
@@ -2908,7 +2909,7 @@
           <a:p>
             <a:fld id="{0CFBD873-DBD0-4707-9DB4-789466B59EAA}" type="datetimeFigureOut">
               <a:rPr lang="en-US" smtClean="0"/>
-              <a:t>11-Sep-17</a:t>
+              <a:t>8/27/24</a:t>
             </a:fld>
             <a:endParaRPr lang="en-US"/>
           </a:p>
@@ -3377,32 +3378,49 @@
       </p:sp>
       <p:pic>
         <p:nvPicPr>
-          <p:cNvPr id="4" name="Picture 3">
-            <a:extLst>
-              <a:ext uri="{FF2B5EF4-FFF2-40B4-BE49-F238E27FC236}">
-                <a16:creationId xmlns:a16="http://schemas.microsoft.com/office/drawing/2014/main" id="{B7E8A31A-A48A-4974-B50B-904DF746457B}"/>
+          <p:cNvPr id="1026" name="Picture 2" descr="Lab">
+            <a:extLst>
+              <a:ext uri="{FF2B5EF4-FFF2-40B4-BE49-F238E27FC236}">
+                <a16:creationId xmlns:a16="http://schemas.microsoft.com/office/drawing/2014/main" id="{F1228EDC-E711-DD69-DBC0-F2A0AF47B6E1}"/>
               </a:ext>
             </a:extLst>
           </p:cNvPr>
           <p:cNvPicPr>
-            <a:picLocks noChangeAspect="1"/>
+            <a:picLocks noChangeAspect="1" noChangeArrowheads="1"/>
           </p:cNvPicPr>
           <p:nvPr/>
         </p:nvPicPr>
         <p:blipFill>
-          <a:blip r:embed="rId2"/>
+          <a:blip r:embed="rId2">
+            <a:extLst>
+              <a:ext uri="{28A0092B-C50C-407E-A947-70E740481C1C}">
+                <a14:useLocalDpi xmlns:a14="http://schemas.microsoft.com/office/drawing/2010/main" val="0"/>
+              </a:ext>
+            </a:extLst>
+          </a:blip>
+          <a:srcRect/>
           <a:stretch>
             <a:fillRect/>
           </a:stretch>
         </p:blipFill>
-        <p:spPr>
+        <p:spPr bwMode="auto">
           <a:xfrm>
-            <a:off x="1034010" y="0"/>
-            <a:ext cx="10123979" cy="6858000"/>
+            <a:off x="0" y="261938"/>
+            <a:ext cx="12192000" cy="6332537"/>
           </a:xfrm>
           <a:prstGeom prst="rect">
             <a:avLst/>
           </a:prstGeom>
+          <a:noFill/>
+          <a:extLst>
+            <a:ext uri="{909E8E84-426E-40DD-AFC4-6F175D3DCCD1}">
+              <a14:hiddenFill xmlns:a14="http://schemas.microsoft.com/office/drawing/2010/main">
+                <a:solidFill>
+                  <a:srgbClr val="FFFFFF"/>
+                </a:solidFill>
+              </a14:hiddenFill>
+            </a:ext>
+          </a:extLst>
         </p:spPr>
       </p:pic>
     </p:spTree>

--- a/week02_ids/lab/overview.pptx
+++ b/week02_ids/lab/overview.pptx
@@ -259,7 +259,7 @@
           <a:p>
             <a:fld id="{0CFBD873-DBD0-4707-9DB4-789466B59EAA}" type="datetimeFigureOut">
               <a:rPr lang="en-US" smtClean="0"/>
-              <a:t>8/27/24</a:t>
+              <a:t>8/29/24</a:t>
             </a:fld>
             <a:endParaRPr lang="en-US"/>
           </a:p>
@@ -457,7 +457,7 @@
           <a:p>
             <a:fld id="{0CFBD873-DBD0-4707-9DB4-789466B59EAA}" type="datetimeFigureOut">
               <a:rPr lang="en-US" smtClean="0"/>
-              <a:t>8/27/24</a:t>
+              <a:t>8/29/24</a:t>
             </a:fld>
             <a:endParaRPr lang="en-US"/>
           </a:p>
@@ -665,7 +665,7 @@
           <a:p>
             <a:fld id="{0CFBD873-DBD0-4707-9DB4-789466B59EAA}" type="datetimeFigureOut">
               <a:rPr lang="en-US" smtClean="0"/>
-              <a:t>8/27/24</a:t>
+              <a:t>8/29/24</a:t>
             </a:fld>
             <a:endParaRPr lang="en-US"/>
           </a:p>
@@ -863,7 +863,7 @@
           <a:p>
             <a:fld id="{0CFBD873-DBD0-4707-9DB4-789466B59EAA}" type="datetimeFigureOut">
               <a:rPr lang="en-US" smtClean="0"/>
-              <a:t>8/27/24</a:t>
+              <a:t>8/29/24</a:t>
             </a:fld>
             <a:endParaRPr lang="en-US"/>
           </a:p>
@@ -1138,7 +1138,7 @@
           <a:p>
             <a:fld id="{0CFBD873-DBD0-4707-9DB4-789466B59EAA}" type="datetimeFigureOut">
               <a:rPr lang="en-US" smtClean="0"/>
-              <a:t>8/27/24</a:t>
+              <a:t>8/29/24</a:t>
             </a:fld>
             <a:endParaRPr lang="en-US"/>
           </a:p>
@@ -1403,7 +1403,7 @@
           <a:p>
             <a:fld id="{0CFBD873-DBD0-4707-9DB4-789466B59EAA}" type="datetimeFigureOut">
               <a:rPr lang="en-US" smtClean="0"/>
-              <a:t>8/27/24</a:t>
+              <a:t>8/29/24</a:t>
             </a:fld>
             <a:endParaRPr lang="en-US"/>
           </a:p>
@@ -1815,7 +1815,7 @@
           <a:p>
             <a:fld id="{0CFBD873-DBD0-4707-9DB4-789466B59EAA}" type="datetimeFigureOut">
               <a:rPr lang="en-US" smtClean="0"/>
-              <a:t>8/27/24</a:t>
+              <a:t>8/29/24</a:t>
             </a:fld>
             <a:endParaRPr lang="en-US"/>
           </a:p>
@@ -1956,7 +1956,7 @@
           <a:p>
             <a:fld id="{0CFBD873-DBD0-4707-9DB4-789466B59EAA}" type="datetimeFigureOut">
               <a:rPr lang="en-US" smtClean="0"/>
-              <a:t>8/27/24</a:t>
+              <a:t>8/29/24</a:t>
             </a:fld>
             <a:endParaRPr lang="en-US"/>
           </a:p>
@@ -2069,7 +2069,7 @@
           <a:p>
             <a:fld id="{0CFBD873-DBD0-4707-9DB4-789466B59EAA}" type="datetimeFigureOut">
               <a:rPr lang="en-US" smtClean="0"/>
-              <a:t>8/27/24</a:t>
+              <a:t>8/29/24</a:t>
             </a:fld>
             <a:endParaRPr lang="en-US"/>
           </a:p>
@@ -2380,7 +2380,7 @@
           <a:p>
             <a:fld id="{0CFBD873-DBD0-4707-9DB4-789466B59EAA}" type="datetimeFigureOut">
               <a:rPr lang="en-US" smtClean="0"/>
-              <a:t>8/27/24</a:t>
+              <a:t>8/29/24</a:t>
             </a:fld>
             <a:endParaRPr lang="en-US"/>
           </a:p>
@@ -2668,7 +2668,7 @@
           <a:p>
             <a:fld id="{0CFBD873-DBD0-4707-9DB4-789466B59EAA}" type="datetimeFigureOut">
               <a:rPr lang="en-US" smtClean="0"/>
-              <a:t>8/27/24</a:t>
+              <a:t>8/29/24</a:t>
             </a:fld>
             <a:endParaRPr lang="en-US"/>
           </a:p>
@@ -2909,7 +2909,7 @@
           <a:p>
             <a:fld id="{0CFBD873-DBD0-4707-9DB4-789466B59EAA}" type="datetimeFigureOut">
               <a:rPr lang="en-US" smtClean="0"/>
-              <a:t>8/27/24</a:t>
+              <a:t>8/29/24</a:t>
             </a:fld>
             <a:endParaRPr lang="en-US"/>
           </a:p>
@@ -3378,15 +3378,15 @@
       </p:sp>
       <p:pic>
         <p:nvPicPr>
-          <p:cNvPr id="1026" name="Picture 2" descr="Lab">
-            <a:extLst>
-              <a:ext uri="{FF2B5EF4-FFF2-40B4-BE49-F238E27FC236}">
-                <a16:creationId xmlns:a16="http://schemas.microsoft.com/office/drawing/2014/main" id="{F1228EDC-E711-DD69-DBC0-F2A0AF47B6E1}"/>
+          <p:cNvPr id="5" name="Picture 4" descr="A diagram of a computer network&#10;&#10;Description automatically generated">
+            <a:extLst>
+              <a:ext uri="{FF2B5EF4-FFF2-40B4-BE49-F238E27FC236}">
+                <a16:creationId xmlns:a16="http://schemas.microsoft.com/office/drawing/2014/main" id="{0606301D-A658-E94E-67EB-84B21AAB5364}"/>
               </a:ext>
             </a:extLst>
           </p:cNvPr>
           <p:cNvPicPr>
-            <a:picLocks noChangeAspect="1" noChangeArrowheads="1"/>
+            <a:picLocks noChangeAspect="1"/>
           </p:cNvPicPr>
           <p:nvPr/>
         </p:nvPicPr>
@@ -3398,29 +3398,18 @@
               </a:ext>
             </a:extLst>
           </a:blip>
-          <a:srcRect/>
           <a:stretch>
             <a:fillRect/>
           </a:stretch>
         </p:blipFill>
-        <p:spPr bwMode="auto">
+        <p:spPr>
           <a:xfrm>
-            <a:off x="0" y="261938"/>
-            <a:ext cx="12192000" cy="6332537"/>
+            <a:off x="0" y="18578"/>
+            <a:ext cx="12501100" cy="6839421"/>
           </a:xfrm>
           <a:prstGeom prst="rect">
             <a:avLst/>
           </a:prstGeom>
-          <a:noFill/>
-          <a:extLst>
-            <a:ext uri="{909E8E84-426E-40DD-AFC4-6F175D3DCCD1}">
-              <a14:hiddenFill xmlns:a14="http://schemas.microsoft.com/office/drawing/2010/main">
-                <a:solidFill>
-                  <a:srgbClr val="FFFFFF"/>
-                </a:solidFill>
-              </a14:hiddenFill>
-            </a:ext>
-          </a:extLst>
         </p:spPr>
       </p:pic>
     </p:spTree>
